--- a/Java_part_I_01.pptx
+++ b/Java_part_I_01.pptx
@@ -14513,12 +14513,16 @@
             <a:graphicFrameLocks noGrp="1"/>
           </p:cNvGraphicFramePr>
           <p:nvPr>
-            <p:extLst/>
+            <p:extLst>
+              <p:ext uri="{D42A27DB-BD31-4B8C-83A1-F6EECF244321}">
+                <p14:modId xmlns:p14="http://schemas.microsoft.com/office/powerpoint/2010/main" val="302108735"/>
+              </p:ext>
+            </p:extLst>
           </p:nvPr>
         </p:nvGraphicFramePr>
         <p:xfrm>
           <a:off x="1571072" y="863823"/>
-          <a:ext cx="7454901" cy="1016440"/>
+          <a:ext cx="7454902" cy="1016440"/>
         </p:xfrm>
         <a:graphic>
           <a:graphicData uri="http://schemas.openxmlformats.org/drawingml/2006/table">
@@ -14527,66 +14531,73 @@
                 <a:tableStyleId>{5C22544A-7EE6-4342-B048-85BDC9FD1C3A}</a:tableStyleId>
               </a:tblPr>
               <a:tblGrid>
-                <a:gridCol w="764952">
+                <a:gridCol w="692588">
                   <a:extLst>
                     <a:ext uri="{9D8B030D-6E8A-4147-A177-3AD203B41FA5}">
                       <a16:colId xmlns:a16="http://schemas.microsoft.com/office/drawing/2014/main" val="20000"/>
                     </a:ext>
                   </a:extLst>
                 </a:gridCol>
-                <a:gridCol w="794067">
+                <a:gridCol w="718949">
                   <a:extLst>
                     <a:ext uri="{9D8B030D-6E8A-4147-A177-3AD203B41FA5}">
                       <a16:colId xmlns:a16="http://schemas.microsoft.com/office/drawing/2014/main" val="20001"/>
                     </a:ext>
                   </a:extLst>
                 </a:gridCol>
-                <a:gridCol w="938444">
+                <a:gridCol w="849668">
                   <a:extLst>
                     <a:ext uri="{9D8B030D-6E8A-4147-A177-3AD203B41FA5}">
                       <a16:colId xmlns:a16="http://schemas.microsoft.com/office/drawing/2014/main" val="20002"/>
                     </a:ext>
                   </a:extLst>
                 </a:gridCol>
-                <a:gridCol w="938444">
+                <a:gridCol w="849668">
                   <a:extLst>
                     <a:ext uri="{9D8B030D-6E8A-4147-A177-3AD203B41FA5}">
                       <a16:colId xmlns:a16="http://schemas.microsoft.com/office/drawing/2014/main" val="20003"/>
                     </a:ext>
                   </a:extLst>
                 </a:gridCol>
-                <a:gridCol w="903745">
+                <a:gridCol w="818251">
                   <a:extLst>
                     <a:ext uri="{9D8B030D-6E8A-4147-A177-3AD203B41FA5}">
                       <a16:colId xmlns:a16="http://schemas.microsoft.com/office/drawing/2014/main" val="20004"/>
                     </a:ext>
                   </a:extLst>
                 </a:gridCol>
-                <a:gridCol w="778513">
+                <a:gridCol w="704866">
                   <a:extLst>
                     <a:ext uri="{9D8B030D-6E8A-4147-A177-3AD203B41FA5}">
                       <a16:colId xmlns:a16="http://schemas.microsoft.com/office/drawing/2014/main" val="20005"/>
                     </a:ext>
                   </a:extLst>
                 </a:gridCol>
-                <a:gridCol w="778912">
+                <a:gridCol w="705228">
                   <a:extLst>
                     <a:ext uri="{9D8B030D-6E8A-4147-A177-3AD203B41FA5}">
                       <a16:colId xmlns:a16="http://schemas.microsoft.com/office/drawing/2014/main" val="20006"/>
                     </a:ext>
                   </a:extLst>
                 </a:gridCol>
-                <a:gridCol w="778912">
+                <a:gridCol w="705228">
                   <a:extLst>
                     <a:ext uri="{9D8B030D-6E8A-4147-A177-3AD203B41FA5}">
                       <a16:colId xmlns:a16="http://schemas.microsoft.com/office/drawing/2014/main" val="20007"/>
                     </a:ext>
                   </a:extLst>
                 </a:gridCol>
-                <a:gridCol w="778912">
+                <a:gridCol w="705228">
                   <a:extLst>
                     <a:ext uri="{9D8B030D-6E8A-4147-A177-3AD203B41FA5}">
                       <a16:colId xmlns:a16="http://schemas.microsoft.com/office/drawing/2014/main" val="20008"/>
+                    </a:ext>
+                  </a:extLst>
+                </a:gridCol>
+                <a:gridCol w="705228">
+                  <a:extLst>
+                    <a:ext uri="{9D8B030D-6E8A-4147-A177-3AD203B41FA5}">
+                      <a16:colId xmlns:a16="http://schemas.microsoft.com/office/drawing/2014/main" val="3548193723"/>
                     </a:ext>
                   </a:extLst>
                 </a:gridCol>
@@ -14606,12 +14617,12 @@
                         </a:spcAft>
                       </a:pPr>
                       <a:r>
-                        <a:rPr lang="en-US" sz="1800">
+                        <a:rPr lang="en-US" sz="1600" dirty="0">
                           <a:effectLst/>
                         </a:rPr>
                         <a:t>Java</a:t>
                       </a:r>
-                      <a:endParaRPr lang="ru-RU" sz="800">
+                      <a:endParaRPr lang="ru-RU" sz="1600" dirty="0">
                         <a:effectLst/>
                         <a:latin typeface="Times New Roman" panose="02020603050405020304" pitchFamily="18" charset="0"/>
                         <a:ea typeface="Times New Roman" panose="02020603050405020304" pitchFamily="18" charset="0"/>
@@ -14682,12 +14693,12 @@
                         </a:spcAft>
                       </a:pPr>
                       <a:r>
-                        <a:rPr lang="en-US" sz="1800">
+                        <a:rPr lang="en-US" sz="1600" dirty="0">
                           <a:effectLst/>
                         </a:rPr>
                         <a:t>Java 2</a:t>
                       </a:r>
-                      <a:endParaRPr lang="ru-RU" sz="800">
+                      <a:endParaRPr lang="ru-RU" sz="1600" dirty="0">
                         <a:effectLst/>
                         <a:latin typeface="Times New Roman" panose="02020603050405020304" pitchFamily="18" charset="0"/>
                         <a:ea typeface="Times New Roman" panose="02020603050405020304" pitchFamily="18" charset="0"/>
@@ -14768,12 +14779,12 @@
                         </a:spcAft>
                       </a:pPr>
                       <a:r>
-                        <a:rPr lang="en-US" sz="1800">
+                        <a:rPr lang="en-US" sz="1600" dirty="0">
                           <a:effectLst/>
                         </a:rPr>
                         <a:t>Java5</a:t>
                       </a:r>
-                      <a:endParaRPr lang="ru-RU" sz="800">
+                      <a:endParaRPr lang="ru-RU" sz="1600" dirty="0">
                         <a:effectLst/>
                         <a:latin typeface="Times New Roman" panose="02020603050405020304" pitchFamily="18" charset="0"/>
                         <a:ea typeface="Times New Roman" panose="02020603050405020304" pitchFamily="18" charset="0"/>
@@ -14834,12 +14845,12 @@
                         </a:spcAft>
                       </a:pPr>
                       <a:r>
-                        <a:rPr lang="en-US" sz="1800">
+                        <a:rPr lang="en-US" sz="1600" dirty="0">
                           <a:effectLst/>
                         </a:rPr>
                         <a:t>Java6</a:t>
                       </a:r>
-                      <a:endParaRPr lang="ru-RU" sz="800">
+                      <a:endParaRPr lang="ru-RU" sz="1600" dirty="0">
                         <a:effectLst/>
                         <a:latin typeface="Times New Roman" panose="02020603050405020304" pitchFamily="18" charset="0"/>
                         <a:ea typeface="Times New Roman" panose="02020603050405020304" pitchFamily="18" charset="0"/>
@@ -14900,18 +14911,18 @@
                         </a:spcAft>
                       </a:pPr>
                       <a:r>
-                        <a:rPr lang="en-US" sz="1800" smtClean="0">
+                        <a:rPr lang="en-US" sz="1600" dirty="0" smtClean="0">
                           <a:effectLst/>
                         </a:rPr>
                         <a:t>Java</a:t>
                       </a:r>
                       <a:r>
-                        <a:rPr lang="ru-RU" sz="1800" smtClean="0">
+                        <a:rPr lang="ru-RU" sz="1600" dirty="0" smtClean="0">
                           <a:effectLst/>
                         </a:rPr>
                         <a:t>7</a:t>
                       </a:r>
-                      <a:endParaRPr lang="ru-RU" sz="800">
+                      <a:endParaRPr lang="ru-RU" sz="1600" dirty="0">
                         <a:effectLst/>
                         <a:latin typeface="Times New Roman" panose="02020603050405020304" pitchFamily="18" charset="0"/>
                         <a:ea typeface="Times New Roman" panose="02020603050405020304" pitchFamily="18" charset="0"/>
@@ -14972,18 +14983,86 @@
                         </a:spcAft>
                       </a:pPr>
                       <a:r>
-                        <a:rPr lang="en-US" sz="1800" smtClean="0">
+                        <a:rPr lang="en-US" sz="1600" dirty="0" smtClean="0">
                           <a:effectLst/>
                         </a:rPr>
                         <a:t>Java</a:t>
                       </a:r>
                       <a:r>
-                        <a:rPr lang="ru-RU" sz="1800" smtClean="0">
+                        <a:rPr lang="ru-RU" sz="1600" dirty="0" smtClean="0">
                           <a:effectLst/>
                         </a:rPr>
                         <a:t>8</a:t>
                       </a:r>
-                      <a:endParaRPr lang="ru-RU" sz="800">
+                      <a:endParaRPr lang="ru-RU" sz="1600" dirty="0">
+                        <a:effectLst/>
+                        <a:latin typeface="Times New Roman" panose="02020603050405020304" pitchFamily="18" charset="0"/>
+                        <a:ea typeface="Times New Roman" panose="02020603050405020304" pitchFamily="18" charset="0"/>
+                      </a:endParaRPr>
+                    </a:p>
+                  </a:txBody>
+                  <a:tcPr marL="54452" marR="54452" marT="0" marB="0" anchor="ctr">
+                    <a:lnL w="12700" cap="flat" cmpd="sng" algn="ctr">
+                      <a:solidFill>
+                        <a:schemeClr val="tx1"/>
+                      </a:solidFill>
+                      <a:prstDash val="solid"/>
+                      <a:round/>
+                      <a:headEnd type="none" w="med" len="med"/>
+                      <a:tailEnd type="none" w="med" len="med"/>
+                    </a:lnL>
+                    <a:lnR w="12700" cap="flat" cmpd="sng" algn="ctr">
+                      <a:solidFill>
+                        <a:schemeClr val="tx1"/>
+                      </a:solidFill>
+                      <a:prstDash val="solid"/>
+                      <a:round/>
+                      <a:headEnd type="none" w="med" len="med"/>
+                      <a:tailEnd type="none" w="med" len="med"/>
+                    </a:lnR>
+                    <a:lnT w="12700" cap="flat" cmpd="sng" algn="ctr">
+                      <a:solidFill>
+                        <a:schemeClr val="tx1"/>
+                      </a:solidFill>
+                      <a:prstDash val="solid"/>
+                      <a:round/>
+                      <a:headEnd type="none" w="med" len="med"/>
+                      <a:tailEnd type="none" w="med" len="med"/>
+                    </a:lnT>
+                    <a:lnB w="12700" cap="flat" cmpd="sng" algn="ctr">
+                      <a:solidFill>
+                        <a:schemeClr val="tx1"/>
+                      </a:solidFill>
+                      <a:prstDash val="solid"/>
+                      <a:round/>
+                      <a:headEnd type="none" w="med" len="med"/>
+                      <a:tailEnd type="none" w="med" len="med"/>
+                    </a:lnB>
+                    <a:solidFill>
+                      <a:schemeClr val="bg1"/>
+                    </a:solidFill>
+                  </a:tcPr>
+                </a:tc>
+                <a:tc>
+                  <a:txBody>
+                    <a:bodyPr/>
+                    <a:lstStyle/>
+                    <a:p>
+                      <a:pPr algn="ctr">
+                        <a:lnSpc>
+                          <a:spcPct val="150000"/>
+                        </a:lnSpc>
+                        <a:spcAft>
+                          <a:spcPts val="0"/>
+                        </a:spcAft>
+                      </a:pPr>
+                      <a:r>
+                        <a:rPr lang="en-US" sz="1600" dirty="0" smtClean="0">
+                          <a:effectLst/>
+                        </a:rPr>
+                        <a:t>Java9</a:t>
+                      </a:r>
+                      <a:endParaRPr lang="ru-RU" sz="1600" dirty="0">
                         <a:effectLst/>
                         <a:latin typeface="Times New Roman" panose="02020603050405020304" pitchFamily="18" charset="0"/>
                         <a:ea typeface="Times New Roman" panose="02020603050405020304" pitchFamily="18" charset="0"/>
@@ -15611,24 +15690,92 @@
                         </a:spcAft>
                       </a:pPr>
                       <a:r>
-                        <a:rPr lang="en-US" sz="1800" smtClean="0">
+                        <a:rPr lang="en-US" sz="1800" dirty="0" smtClean="0">
                           <a:effectLst/>
                         </a:rPr>
                         <a:t>1.</a:t>
                       </a:r>
                       <a:r>
-                        <a:rPr lang="ru-RU" sz="1800" smtClean="0">
+                        <a:rPr lang="ru-RU" sz="1800" dirty="0" smtClean="0">
                           <a:effectLst/>
                         </a:rPr>
                         <a:t>8</a:t>
                       </a:r>
                       <a:r>
-                        <a:rPr lang="en-US" sz="1800" smtClean="0">
+                        <a:rPr lang="en-US" sz="1800" dirty="0" smtClean="0">
                           <a:effectLst/>
                         </a:rPr>
                         <a:t>.x</a:t>
                       </a:r>
-                      <a:endParaRPr lang="ru-RU" sz="800">
+                      <a:endParaRPr lang="ru-RU" sz="800" dirty="0">
+                        <a:effectLst/>
+                        <a:latin typeface="Times New Roman" panose="02020603050405020304" pitchFamily="18" charset="0"/>
+                        <a:ea typeface="Times New Roman" panose="02020603050405020304" pitchFamily="18" charset="0"/>
+                      </a:endParaRPr>
+                    </a:p>
+                  </a:txBody>
+                  <a:tcPr marL="54452" marR="54452" marT="0" marB="0" anchor="ctr">
+                    <a:lnL w="12700" cap="flat" cmpd="sng" algn="ctr">
+                      <a:solidFill>
+                        <a:schemeClr val="tx1"/>
+                      </a:solidFill>
+                      <a:prstDash val="solid"/>
+                      <a:round/>
+                      <a:headEnd type="none" w="med" len="med"/>
+                      <a:tailEnd type="none" w="med" len="med"/>
+                    </a:lnL>
+                    <a:lnR w="12700" cap="flat" cmpd="sng" algn="ctr">
+                      <a:solidFill>
+                        <a:schemeClr val="tx1"/>
+                      </a:solidFill>
+                      <a:prstDash val="solid"/>
+                      <a:round/>
+                      <a:headEnd type="none" w="med" len="med"/>
+                      <a:tailEnd type="none" w="med" len="med"/>
+                    </a:lnR>
+                    <a:lnT w="12700" cap="flat" cmpd="sng" algn="ctr">
+                      <a:solidFill>
+                        <a:schemeClr val="tx1"/>
+                      </a:solidFill>
+                      <a:prstDash val="solid"/>
+                      <a:round/>
+                      <a:headEnd type="none" w="med" len="med"/>
+                      <a:tailEnd type="none" w="med" len="med"/>
+                    </a:lnT>
+                    <a:lnB w="12700" cap="flat" cmpd="sng" algn="ctr">
+                      <a:solidFill>
+                        <a:schemeClr val="tx1"/>
+                      </a:solidFill>
+                      <a:prstDash val="solid"/>
+                      <a:round/>
+                      <a:headEnd type="none" w="med" len="med"/>
+                      <a:tailEnd type="none" w="med" len="med"/>
+                    </a:lnB>
+                    <a:solidFill>
+                      <a:schemeClr val="bg1"/>
+                    </a:solidFill>
+                  </a:tcPr>
+                </a:tc>
+                <a:tc>
+                  <a:txBody>
+                    <a:bodyPr/>
+                    <a:lstStyle/>
+                    <a:p>
+                      <a:pPr algn="ctr">
+                        <a:lnSpc>
+                          <a:spcPct val="150000"/>
+                        </a:lnSpc>
+                        <a:spcAft>
+                          <a:spcPts val="0"/>
+                        </a:spcAft>
+                      </a:pPr>
+                      <a:r>
+                        <a:rPr lang="en-US" sz="1800" dirty="0" smtClean="0">
+                          <a:effectLst/>
+                        </a:rPr>
+                        <a:t>1.9.x</a:t>
+                      </a:r>
+                      <a:endParaRPr lang="ru-RU" sz="800" dirty="0">
                         <a:effectLst/>
                         <a:latin typeface="Times New Roman" panose="02020603050405020304" pitchFamily="18" charset="0"/>
                         <a:ea typeface="Times New Roman" panose="02020603050405020304" pitchFamily="18" charset="0"/>
